--- a/project_report/mean_shift_clustering_presentation.pptx
+++ b/project_report/mean_shift_clustering_presentation.pptx
@@ -221,7 +221,7 @@
             <a:fld id="{45BF3CCC-77DD-F84F-A249-CA3C5045A043}" type="datetime1">
               <a:rPr lang="it-IT" smtClean="0"/>
               <a:pPr/>
-              <a:t>18/01/2023</a:t>
+              <a:t>03/02/2023</a:t>
             </a:fld>
             <a:endParaRPr lang="it-IT"/>
           </a:p>
@@ -389,7 +389,7 @@
             <a:fld id="{FE692227-D6DC-FD45-9507-DB2BAD58473C}" type="datetime1">
               <a:rPr lang="it-IT" smtClean="0"/>
               <a:pPr/>
-              <a:t>18/01/2023</a:t>
+              <a:t>03/02/2023</a:t>
             </a:fld>
             <a:endParaRPr lang="it-IT"/>
           </a:p>
@@ -1603,7 +1603,7 @@
             <a:fld id="{AD8BF249-6BAC-CD40-AAE9-334F110649E5}" type="datetimeFigureOut">
               <a:rPr lang="it-IT" smtClean="0"/>
               <a:pPr/>
-              <a:t>18/01/2023</a:t>
+              <a:t>03/02/2023</a:t>
             </a:fld>
             <a:endParaRPr lang="it-IT"/>
           </a:p>
@@ -1773,7 +1773,7 @@
             <a:fld id="{AD8BF249-6BAC-CD40-AAE9-334F110649E5}" type="datetimeFigureOut">
               <a:rPr lang="it-IT" smtClean="0"/>
               <a:pPr/>
-              <a:t>18/01/2023</a:t>
+              <a:t>03/02/2023</a:t>
             </a:fld>
             <a:endParaRPr lang="it-IT"/>
           </a:p>
@@ -1953,7 +1953,7 @@
             <a:fld id="{AD8BF249-6BAC-CD40-AAE9-334F110649E5}" type="datetimeFigureOut">
               <a:rPr lang="it-IT" smtClean="0"/>
               <a:pPr/>
-              <a:t>18/01/2023</a:t>
+              <a:t>03/02/2023</a:t>
             </a:fld>
             <a:endParaRPr lang="it-IT"/>
           </a:p>
@@ -2123,7 +2123,7 @@
             <a:fld id="{AD8BF249-6BAC-CD40-AAE9-334F110649E5}" type="datetimeFigureOut">
               <a:rPr lang="it-IT" smtClean="0"/>
               <a:pPr/>
-              <a:t>18/01/2023</a:t>
+              <a:t>03/02/2023</a:t>
             </a:fld>
             <a:endParaRPr lang="it-IT"/>
           </a:p>
@@ -2370,7 +2370,7 @@
             <a:fld id="{AD8BF249-6BAC-CD40-AAE9-334F110649E5}" type="datetimeFigureOut">
               <a:rPr lang="it-IT" smtClean="0"/>
               <a:pPr/>
-              <a:t>18/01/2023</a:t>
+              <a:t>03/02/2023</a:t>
             </a:fld>
             <a:endParaRPr lang="it-IT"/>
           </a:p>
@@ -2657,7 +2657,7 @@
             <a:fld id="{AD8BF249-6BAC-CD40-AAE9-334F110649E5}" type="datetimeFigureOut">
               <a:rPr lang="it-IT" smtClean="0"/>
               <a:pPr/>
-              <a:t>18/01/2023</a:t>
+              <a:t>03/02/2023</a:t>
             </a:fld>
             <a:endParaRPr lang="it-IT"/>
           </a:p>
@@ -3078,7 +3078,7 @@
             <a:fld id="{AD8BF249-6BAC-CD40-AAE9-334F110649E5}" type="datetimeFigureOut">
               <a:rPr lang="it-IT" smtClean="0"/>
               <a:pPr/>
-              <a:t>18/01/2023</a:t>
+              <a:t>03/02/2023</a:t>
             </a:fld>
             <a:endParaRPr lang="it-IT"/>
           </a:p>
@@ -3197,7 +3197,7 @@
             <a:fld id="{AD8BF249-6BAC-CD40-AAE9-334F110649E5}" type="datetimeFigureOut">
               <a:rPr lang="it-IT" smtClean="0"/>
               <a:pPr/>
-              <a:t>18/01/2023</a:t>
+              <a:t>03/02/2023</a:t>
             </a:fld>
             <a:endParaRPr lang="it-IT"/>
           </a:p>
@@ -3294,7 +3294,7 @@
             <a:fld id="{AD8BF249-6BAC-CD40-AAE9-334F110649E5}" type="datetimeFigureOut">
               <a:rPr lang="it-IT" smtClean="0"/>
               <a:pPr/>
-              <a:t>18/01/2023</a:t>
+              <a:t>03/02/2023</a:t>
             </a:fld>
             <a:endParaRPr lang="it-IT"/>
           </a:p>
@@ -3571,7 +3571,7 @@
             <a:fld id="{AD8BF249-6BAC-CD40-AAE9-334F110649E5}" type="datetimeFigureOut">
               <a:rPr lang="it-IT" smtClean="0"/>
               <a:pPr/>
-              <a:t>18/01/2023</a:t>
+              <a:t>03/02/2023</a:t>
             </a:fld>
             <a:endParaRPr lang="it-IT"/>
           </a:p>
@@ -3825,7 +3825,7 @@
             <a:fld id="{AD8BF249-6BAC-CD40-AAE9-334F110649E5}" type="datetimeFigureOut">
               <a:rPr lang="it-IT" smtClean="0"/>
               <a:pPr/>
-              <a:t>18/01/2023</a:t>
+              <a:t>03/02/2023</a:t>
             </a:fld>
             <a:endParaRPr lang="it-IT"/>
           </a:p>
@@ -4038,7 +4038,7 @@
             <a:fld id="{AD8BF249-6BAC-CD40-AAE9-334F110649E5}" type="datetimeFigureOut">
               <a:rPr lang="it-IT" smtClean="0"/>
               <a:pPr/>
-              <a:t>18/01/2023</a:t>
+              <a:t>03/02/2023</a:t>
             </a:fld>
             <a:endParaRPr lang="it-IT"/>
           </a:p>
@@ -5087,7 +5087,7 @@
         <p:spPr>
           <a:xfrm>
             <a:off x="623631" y="1998842"/>
-            <a:ext cx="3260069" cy="3693319"/>
+            <a:ext cx="3260069" cy="3970318"/>
           </a:xfrm>
           <a:prstGeom prst="rect">
             <a:avLst/>
@@ -5302,7 +5302,19 @@
             </a:r>
             <a:r>
               <a:rPr lang="it-IT" dirty="0" err="1"/>
-              <a:t>not</a:t>
+              <a:t>less</a:t>
+            </a:r>
+            <a:r>
+              <a:rPr lang="it-IT" dirty="0"/>
+              <a:t> to the </a:t>
+            </a:r>
+            <a:r>
+              <a:rPr lang="it-IT" dirty="0" err="1"/>
+              <a:t>previous</a:t>
+            </a:r>
+            <a:r>
+              <a:rPr lang="it-IT"/>
+              <a:t> one</a:t>
             </a:r>
             <a:endParaRPr lang="it-IT" dirty="0"/>
           </a:p>
@@ -5331,10 +5343,10 @@
       </p:sp>
       <p:pic>
         <p:nvPicPr>
-          <p:cNvPr id="5" name="Picture 4">
+          <p:cNvPr id="6" name="Picture 5">
             <a:extLst>
               <a:ext uri="{FF2B5EF4-FFF2-40B4-BE49-F238E27FC236}">
-                <a16:creationId xmlns:a16="http://schemas.microsoft.com/office/drawing/2014/main" id="{BDA57DFA-17BA-6CA9-C27B-F8F436C8CBB5}"/>
+                <a16:creationId xmlns:a16="http://schemas.microsoft.com/office/drawing/2014/main" id="{5DA3D867-C8EC-14CC-CF54-8A3EB0EACECD}"/>
               </a:ext>
             </a:extLst>
           </p:cNvPr>
@@ -5351,8 +5363,8 @@
         </p:blipFill>
         <p:spPr>
           <a:xfrm>
-            <a:off x="3883700" y="1499478"/>
-            <a:ext cx="4278321" cy="5221997"/>
+            <a:off x="4245846" y="1551436"/>
+            <a:ext cx="4149535" cy="4809972"/>
           </a:xfrm>
           <a:prstGeom prst="rect">
             <a:avLst/>
